--- a/introduction/fig/figs.pptx
+++ b/introduction/fig/figs.pptx
@@ -4,6 +4,11 @@
   <p:sldMasterIdLst>
     <p:sldMasterId id="2147483648" r:id="rId1"/>
   </p:sldMasterIdLst>
+  <p:sldIdLst>
+    <p:sldId id="256" r:id="rId2"/>
+    <p:sldId id="257" r:id="rId3"/>
+    <p:sldId id="259" r:id="rId4"/>
+  </p:sldIdLst>
   <p:sldSz cx="9144000" cy="6858000" type="screen4x3"/>
   <p:notesSz cx="6858000" cy="9144000"/>
   <p:defaultTextStyle>
@@ -286,7 +291,7 @@
             <a:fld id="{1D8BD707-D9CF-40AE-B4C6-C98DA3205C09}" type="datetimeFigureOut">
               <a:rPr lang="en-US" smtClean="0"/>
               <a:pPr/>
-              <a:t>9/18/2006</a:t>
+              <a:t>1/5/2017</a:t>
             </a:fld>
             <a:endParaRPr lang="en-US"/>
           </a:p>
@@ -453,7 +458,7 @@
             <a:fld id="{1D8BD707-D9CF-40AE-B4C6-C98DA3205C09}" type="datetimeFigureOut">
               <a:rPr lang="en-US" smtClean="0"/>
               <a:pPr/>
-              <a:t>9/18/2006</a:t>
+              <a:t>1/5/2017</a:t>
             </a:fld>
             <a:endParaRPr lang="en-US"/>
           </a:p>
@@ -630,7 +635,7 @@
             <a:fld id="{1D8BD707-D9CF-40AE-B4C6-C98DA3205C09}" type="datetimeFigureOut">
               <a:rPr lang="en-US" smtClean="0"/>
               <a:pPr/>
-              <a:t>9/18/2006</a:t>
+              <a:t>1/5/2017</a:t>
             </a:fld>
             <a:endParaRPr lang="en-US"/>
           </a:p>
@@ -797,7 +802,7 @@
             <a:fld id="{1D8BD707-D9CF-40AE-B4C6-C98DA3205C09}" type="datetimeFigureOut">
               <a:rPr lang="en-US" smtClean="0"/>
               <a:pPr/>
-              <a:t>9/18/2006</a:t>
+              <a:t>1/5/2017</a:t>
             </a:fld>
             <a:endParaRPr lang="en-US"/>
           </a:p>
@@ -1040,7 +1045,7 @@
             <a:fld id="{1D8BD707-D9CF-40AE-B4C6-C98DA3205C09}" type="datetimeFigureOut">
               <a:rPr lang="en-US" smtClean="0"/>
               <a:pPr/>
-              <a:t>9/18/2006</a:t>
+              <a:t>1/5/2017</a:t>
             </a:fld>
             <a:endParaRPr lang="en-US"/>
           </a:p>
@@ -1325,7 +1330,7 @@
             <a:fld id="{1D8BD707-D9CF-40AE-B4C6-C98DA3205C09}" type="datetimeFigureOut">
               <a:rPr lang="en-US" smtClean="0"/>
               <a:pPr/>
-              <a:t>9/18/2006</a:t>
+              <a:t>1/5/2017</a:t>
             </a:fld>
             <a:endParaRPr lang="en-US"/>
           </a:p>
@@ -1744,7 +1749,7 @@
             <a:fld id="{1D8BD707-D9CF-40AE-B4C6-C98DA3205C09}" type="datetimeFigureOut">
               <a:rPr lang="en-US" smtClean="0"/>
               <a:pPr/>
-              <a:t>9/18/2006</a:t>
+              <a:t>1/5/2017</a:t>
             </a:fld>
             <a:endParaRPr lang="en-US"/>
           </a:p>
@@ -1859,7 +1864,7 @@
             <a:fld id="{1D8BD707-D9CF-40AE-B4C6-C98DA3205C09}" type="datetimeFigureOut">
               <a:rPr lang="en-US" smtClean="0"/>
               <a:pPr/>
-              <a:t>9/18/2006</a:t>
+              <a:t>1/5/2017</a:t>
             </a:fld>
             <a:endParaRPr lang="en-US"/>
           </a:p>
@@ -1951,7 +1956,7 @@
             <a:fld id="{1D8BD707-D9CF-40AE-B4C6-C98DA3205C09}" type="datetimeFigureOut">
               <a:rPr lang="en-US" smtClean="0"/>
               <a:pPr/>
-              <a:t>9/18/2006</a:t>
+              <a:t>1/5/2017</a:t>
             </a:fld>
             <a:endParaRPr lang="en-US"/>
           </a:p>
@@ -2225,7 +2230,7 @@
             <a:fld id="{1D8BD707-D9CF-40AE-B4C6-C98DA3205C09}" type="datetimeFigureOut">
               <a:rPr lang="en-US" smtClean="0"/>
               <a:pPr/>
-              <a:t>9/18/2006</a:t>
+              <a:t>1/5/2017</a:t>
             </a:fld>
             <a:endParaRPr lang="en-US"/>
           </a:p>
@@ -2475,7 +2480,7 @@
             <a:fld id="{1D8BD707-D9CF-40AE-B4C6-C98DA3205C09}" type="datetimeFigureOut">
               <a:rPr lang="en-US" smtClean="0"/>
               <a:pPr/>
-              <a:t>9/18/2006</a:t>
+              <a:t>1/5/2017</a:t>
             </a:fld>
             <a:endParaRPr lang="en-US"/>
           </a:p>
@@ -2685,7 +2690,7 @@
             <a:fld id="{1D8BD707-D9CF-40AE-B4C6-C98DA3205C09}" type="datetimeFigureOut">
               <a:rPr lang="en-US" smtClean="0"/>
               <a:pPr/>
-              <a:t>9/18/2006</a:t>
+              <a:t>1/5/2017</a:t>
             </a:fld>
             <a:endParaRPr lang="en-US"/>
           </a:p>
@@ -3037,6 +3042,1021 @@
     </p:otherStyle>
   </p:txStyles>
 </p:sldMaster>
+</file>
+
+<file path=ppt/slides/slide1.xml><?xml version="1.0" encoding="utf-8"?>
+<p:sld xmlns:a="http://schemas.openxmlformats.org/drawingml/2006/main" xmlns:r="http://schemas.openxmlformats.org/officeDocument/2006/relationships" xmlns:p="http://schemas.openxmlformats.org/presentationml/2006/main">
+  <p:cSld>
+    <p:spTree>
+      <p:nvGrpSpPr>
+        <p:cNvPr id="1" name=""/>
+        <p:cNvGrpSpPr/>
+        <p:nvPr/>
+      </p:nvGrpSpPr>
+      <p:grpSpPr>
+        <a:xfrm>
+          <a:off x="0" y="0"/>
+          <a:ext cx="0" cy="0"/>
+          <a:chOff x="0" y="0"/>
+          <a:chExt cx="0" cy="0"/>
+        </a:xfrm>
+      </p:grpSpPr>
+      <p:sp>
+        <p:nvSpPr>
+          <p:cNvPr id="2" name="标题 1"/>
+          <p:cNvSpPr>
+            <a:spLocks noGrp="1"/>
+          </p:cNvSpPr>
+          <p:nvPr>
+            <p:ph type="ctrTitle"/>
+          </p:nvPr>
+        </p:nvSpPr>
+        <p:spPr/>
+        <p:txBody>
+          <a:bodyPr/>
+          <a:lstStyle/>
+          <a:p>
+            <a:endParaRPr lang="zh-CN" altLang="en-US" dirty="0"/>
+          </a:p>
+        </p:txBody>
+      </p:sp>
+      <p:sp>
+        <p:nvSpPr>
+          <p:cNvPr id="3" name="副标题 2"/>
+          <p:cNvSpPr>
+            <a:spLocks noGrp="1"/>
+          </p:cNvSpPr>
+          <p:nvPr>
+            <p:ph type="subTitle" idx="1"/>
+          </p:nvPr>
+        </p:nvSpPr>
+        <p:spPr/>
+        <p:txBody>
+          <a:bodyPr/>
+          <a:lstStyle/>
+          <a:p>
+            <a:endParaRPr lang="zh-CN" altLang="en-US"/>
+          </a:p>
+        </p:txBody>
+      </p:sp>
+    </p:spTree>
+    <p:extLst>
+      <p:ext uri="{BB962C8B-B14F-4D97-AF65-F5344CB8AC3E}">
+        <p14:creationId xmlns:p14="http://schemas.microsoft.com/office/powerpoint/2010/main" val="4210827837"/>
+      </p:ext>
+    </p:extLst>
+  </p:cSld>
+  <p:clrMapOvr>
+    <a:masterClrMapping/>
+  </p:clrMapOvr>
+</p:sld>
+</file>
+
+<file path=ppt/slides/slide2.xml><?xml version="1.0" encoding="utf-8"?>
+<p:sld xmlns:a="http://schemas.openxmlformats.org/drawingml/2006/main" xmlns:r="http://schemas.openxmlformats.org/officeDocument/2006/relationships" xmlns:p="http://schemas.openxmlformats.org/presentationml/2006/main">
+  <p:cSld>
+    <p:spTree>
+      <p:nvGrpSpPr>
+        <p:cNvPr id="1" name=""/>
+        <p:cNvGrpSpPr/>
+        <p:nvPr/>
+      </p:nvGrpSpPr>
+      <p:grpSpPr>
+        <a:xfrm>
+          <a:off x="0" y="0"/>
+          <a:ext cx="0" cy="0"/>
+          <a:chOff x="0" y="0"/>
+          <a:chExt cx="0" cy="0"/>
+        </a:xfrm>
+      </p:grpSpPr>
+      <p:grpSp>
+        <p:nvGrpSpPr>
+          <p:cNvPr id="15" name="组合 14"/>
+          <p:cNvGrpSpPr/>
+          <p:nvPr/>
+        </p:nvGrpSpPr>
+        <p:grpSpPr>
+          <a:xfrm>
+            <a:off x="1066800" y="465138"/>
+            <a:ext cx="6867525" cy="5402262"/>
+            <a:chOff x="1066800" y="465138"/>
+            <a:chExt cx="6867525" cy="5402262"/>
+          </a:xfrm>
+        </p:grpSpPr>
+        <p:pic>
+          <p:nvPicPr>
+            <p:cNvPr id="1029" name="Picture 5"/>
+            <p:cNvPicPr>
+              <a:picLocks noChangeAspect="1" noChangeArrowheads="1"/>
+            </p:cNvPicPr>
+            <p:nvPr/>
+          </p:nvPicPr>
+          <p:blipFill>
+            <a:blip r:embed="rId2">
+              <a:extLst>
+                <a:ext uri="{28A0092B-C50C-407E-A947-70E740481C1C}">
+                  <a14:useLocalDpi xmlns:a14="http://schemas.microsoft.com/office/drawing/2010/main" val="0"/>
+                </a:ext>
+              </a:extLst>
+            </a:blip>
+            <a:srcRect/>
+            <a:stretch>
+              <a:fillRect/>
+            </a:stretch>
+          </p:blipFill>
+          <p:spPr bwMode="auto">
+            <a:xfrm>
+              <a:off x="1094232" y="915228"/>
+              <a:ext cx="2258568" cy="1263098"/>
+            </a:xfrm>
+            <a:prstGeom prst="rect">
+              <a:avLst/>
+            </a:prstGeom>
+            <a:noFill/>
+            <a:ln>
+              <a:noFill/>
+            </a:ln>
+            <a:effectLst/>
+            <a:extLst>
+              <a:ext uri="{909E8E84-426E-40DD-AFC4-6F175D3DCCD1}">
+                <a14:hiddenFill xmlns:a14="http://schemas.microsoft.com/office/drawing/2010/main">
+                  <a:solidFill>
+                    <a:schemeClr val="accent1"/>
+                  </a:solidFill>
+                </a14:hiddenFill>
+              </a:ext>
+              <a:ext uri="{91240B29-F687-4F45-9708-019B960494DF}">
+                <a14:hiddenLine xmlns:a14="http://schemas.microsoft.com/office/drawing/2010/main" w="9525">
+                  <a:solidFill>
+                    <a:schemeClr val="tx1"/>
+                  </a:solidFill>
+                  <a:miter lim="800000"/>
+                  <a:headEnd/>
+                  <a:tailEnd/>
+                </a14:hiddenLine>
+              </a:ext>
+              <a:ext uri="{AF507438-7753-43E0-B8FC-AC1667EBCBE1}">
+                <a14:hiddenEffects xmlns:a14="http://schemas.microsoft.com/office/drawing/2010/main">
+                  <a:effectLst>
+                    <a:outerShdw dist="35921" dir="2700000" algn="ctr" rotWithShape="0">
+                      <a:schemeClr val="bg2"/>
+                    </a:outerShdw>
+                  </a:effectLst>
+                </a14:hiddenEffects>
+              </a:ext>
+            </a:extLst>
+          </p:spPr>
+        </p:pic>
+        <p:pic>
+          <p:nvPicPr>
+            <p:cNvPr id="1032" name="Picture 8"/>
+            <p:cNvPicPr>
+              <a:picLocks noChangeAspect="1" noChangeArrowheads="1"/>
+            </p:cNvPicPr>
+            <p:nvPr/>
+          </p:nvPicPr>
+          <p:blipFill>
+            <a:blip r:embed="rId3">
+              <a:extLst>
+                <a:ext uri="{28A0092B-C50C-407E-A947-70E740481C1C}">
+                  <a14:useLocalDpi xmlns:a14="http://schemas.microsoft.com/office/drawing/2010/main" val="0"/>
+                </a:ext>
+              </a:extLst>
+            </a:blip>
+            <a:srcRect/>
+            <a:stretch>
+              <a:fillRect/>
+            </a:stretch>
+          </p:blipFill>
+          <p:spPr bwMode="auto">
+            <a:xfrm>
+              <a:off x="5105400" y="1981200"/>
+              <a:ext cx="2828925" cy="1619250"/>
+            </a:xfrm>
+            <a:prstGeom prst="rect">
+              <a:avLst/>
+            </a:prstGeom>
+            <a:noFill/>
+            <a:ln>
+              <a:noFill/>
+            </a:ln>
+            <a:effectLst/>
+            <a:extLst>
+              <a:ext uri="{909E8E84-426E-40DD-AFC4-6F175D3DCCD1}">
+                <a14:hiddenFill xmlns:a14="http://schemas.microsoft.com/office/drawing/2010/main">
+                  <a:solidFill>
+                    <a:schemeClr val="accent1"/>
+                  </a:solidFill>
+                </a14:hiddenFill>
+              </a:ext>
+              <a:ext uri="{91240B29-F687-4F45-9708-019B960494DF}">
+                <a14:hiddenLine xmlns:a14="http://schemas.microsoft.com/office/drawing/2010/main" w="9525">
+                  <a:solidFill>
+                    <a:schemeClr val="tx1"/>
+                  </a:solidFill>
+                  <a:miter lim="800000"/>
+                  <a:headEnd/>
+                  <a:tailEnd/>
+                </a14:hiddenLine>
+              </a:ext>
+              <a:ext uri="{AF507438-7753-43E0-B8FC-AC1667EBCBE1}">
+                <a14:hiddenEffects xmlns:a14="http://schemas.microsoft.com/office/drawing/2010/main">
+                  <a:effectLst>
+                    <a:outerShdw dist="35921" dir="2700000" algn="ctr" rotWithShape="0">
+                      <a:schemeClr val="bg2"/>
+                    </a:outerShdw>
+                  </a:effectLst>
+                </a14:hiddenEffects>
+              </a:ext>
+            </a:extLst>
+          </p:spPr>
+        </p:pic>
+        <p:pic>
+          <p:nvPicPr>
+            <p:cNvPr id="1033" name="Picture 9"/>
+            <p:cNvPicPr>
+              <a:picLocks noChangeAspect="1" noChangeArrowheads="1"/>
+            </p:cNvPicPr>
+            <p:nvPr/>
+          </p:nvPicPr>
+          <p:blipFill>
+            <a:blip r:embed="rId4">
+              <a:extLst>
+                <a:ext uri="{28A0092B-C50C-407E-A947-70E740481C1C}">
+                  <a14:useLocalDpi xmlns:a14="http://schemas.microsoft.com/office/drawing/2010/main" val="0"/>
+                </a:ext>
+              </a:extLst>
+            </a:blip>
+            <a:srcRect/>
+            <a:stretch>
+              <a:fillRect/>
+            </a:stretch>
+          </p:blipFill>
+          <p:spPr bwMode="auto">
+            <a:xfrm>
+              <a:off x="1066800" y="2607183"/>
+              <a:ext cx="2743200" cy="1514475"/>
+            </a:xfrm>
+            <a:prstGeom prst="rect">
+              <a:avLst/>
+            </a:prstGeom>
+            <a:noFill/>
+            <a:ln>
+              <a:noFill/>
+            </a:ln>
+            <a:effectLst/>
+            <a:extLst>
+              <a:ext uri="{909E8E84-426E-40DD-AFC4-6F175D3DCCD1}">
+                <a14:hiddenFill xmlns:a14="http://schemas.microsoft.com/office/drawing/2010/main">
+                  <a:solidFill>
+                    <a:schemeClr val="accent1"/>
+                  </a:solidFill>
+                </a14:hiddenFill>
+              </a:ext>
+              <a:ext uri="{91240B29-F687-4F45-9708-019B960494DF}">
+                <a14:hiddenLine xmlns:a14="http://schemas.microsoft.com/office/drawing/2010/main" w="9525">
+                  <a:solidFill>
+                    <a:schemeClr val="tx1"/>
+                  </a:solidFill>
+                  <a:miter lim="800000"/>
+                  <a:headEnd/>
+                  <a:tailEnd/>
+                </a14:hiddenLine>
+              </a:ext>
+              <a:ext uri="{AF507438-7753-43E0-B8FC-AC1667EBCBE1}">
+                <a14:hiddenEffects xmlns:a14="http://schemas.microsoft.com/office/drawing/2010/main">
+                  <a:effectLst>
+                    <a:outerShdw dist="35921" dir="2700000" algn="ctr" rotWithShape="0">
+                      <a:schemeClr val="bg2"/>
+                    </a:outerShdw>
+                  </a:effectLst>
+                </a14:hiddenEffects>
+              </a:ext>
+            </a:extLst>
+          </p:spPr>
+        </p:pic>
+        <p:pic>
+          <p:nvPicPr>
+            <p:cNvPr id="1034" name="Picture 10"/>
+            <p:cNvPicPr>
+              <a:picLocks noChangeAspect="1" noChangeArrowheads="1"/>
+            </p:cNvPicPr>
+            <p:nvPr/>
+          </p:nvPicPr>
+          <p:blipFill>
+            <a:blip r:embed="rId5">
+              <a:extLst>
+                <a:ext uri="{28A0092B-C50C-407E-A947-70E740481C1C}">
+                  <a14:useLocalDpi xmlns:a14="http://schemas.microsoft.com/office/drawing/2010/main" val="0"/>
+                </a:ext>
+              </a:extLst>
+            </a:blip>
+            <a:srcRect/>
+            <a:stretch>
+              <a:fillRect/>
+            </a:stretch>
+          </p:blipFill>
+          <p:spPr bwMode="auto">
+            <a:xfrm>
+              <a:off x="1066800" y="4343400"/>
+              <a:ext cx="3000375" cy="1524000"/>
+            </a:xfrm>
+            <a:prstGeom prst="rect">
+              <a:avLst/>
+            </a:prstGeom>
+            <a:noFill/>
+            <a:ln>
+              <a:noFill/>
+            </a:ln>
+            <a:effectLst/>
+            <a:extLst>
+              <a:ext uri="{909E8E84-426E-40DD-AFC4-6F175D3DCCD1}">
+                <a14:hiddenFill xmlns:a14="http://schemas.microsoft.com/office/drawing/2010/main">
+                  <a:solidFill>
+                    <a:schemeClr val="accent1"/>
+                  </a:solidFill>
+                </a14:hiddenFill>
+              </a:ext>
+              <a:ext uri="{91240B29-F687-4F45-9708-019B960494DF}">
+                <a14:hiddenLine xmlns:a14="http://schemas.microsoft.com/office/drawing/2010/main" w="9525">
+                  <a:solidFill>
+                    <a:schemeClr val="tx1"/>
+                  </a:solidFill>
+                  <a:miter lim="800000"/>
+                  <a:headEnd/>
+                  <a:tailEnd/>
+                </a14:hiddenLine>
+              </a:ext>
+              <a:ext uri="{AF507438-7753-43E0-B8FC-AC1667EBCBE1}">
+                <a14:hiddenEffects xmlns:a14="http://schemas.microsoft.com/office/drawing/2010/main">
+                  <a:effectLst>
+                    <a:outerShdw dist="35921" dir="2700000" algn="ctr" rotWithShape="0">
+                      <a:schemeClr val="bg2"/>
+                    </a:outerShdw>
+                  </a:effectLst>
+                </a14:hiddenEffects>
+              </a:ext>
+            </a:extLst>
+          </p:spPr>
+        </p:pic>
+        <p:cxnSp>
+          <p:nvCxnSpPr>
+            <p:cNvPr id="9" name="直接箭头连接符 8"/>
+            <p:cNvCxnSpPr/>
+            <p:nvPr/>
+          </p:nvCxnSpPr>
+          <p:spPr>
+            <a:xfrm>
+              <a:off x="3810000" y="1447800"/>
+              <a:ext cx="1143000" cy="730526"/>
+            </a:xfrm>
+            <a:prstGeom prst="straightConnector1">
+              <a:avLst/>
+            </a:prstGeom>
+            <a:ln>
+              <a:tailEnd type="arrow"/>
+            </a:ln>
+          </p:spPr>
+          <p:style>
+            <a:lnRef idx="3">
+              <a:schemeClr val="accent1"/>
+            </a:lnRef>
+            <a:fillRef idx="0">
+              <a:schemeClr val="accent1"/>
+            </a:fillRef>
+            <a:effectRef idx="2">
+              <a:schemeClr val="accent1"/>
+            </a:effectRef>
+            <a:fontRef idx="minor">
+              <a:schemeClr val="tx1"/>
+            </a:fontRef>
+          </p:style>
+        </p:cxnSp>
+        <p:cxnSp>
+          <p:nvCxnSpPr>
+            <p:cNvPr id="11" name="直接箭头连接符 10"/>
+            <p:cNvCxnSpPr/>
+            <p:nvPr/>
+          </p:nvCxnSpPr>
+          <p:spPr>
+            <a:xfrm flipV="1">
+              <a:off x="4067175" y="2971800"/>
+              <a:ext cx="885825" cy="228600"/>
+            </a:xfrm>
+            <a:prstGeom prst="straightConnector1">
+              <a:avLst/>
+            </a:prstGeom>
+            <a:ln>
+              <a:tailEnd type="arrow"/>
+            </a:ln>
+          </p:spPr>
+          <p:style>
+            <a:lnRef idx="3">
+              <a:schemeClr val="accent1"/>
+            </a:lnRef>
+            <a:fillRef idx="0">
+              <a:schemeClr val="accent1"/>
+            </a:fillRef>
+            <a:effectRef idx="2">
+              <a:schemeClr val="accent1"/>
+            </a:effectRef>
+            <a:fontRef idx="minor">
+              <a:schemeClr val="tx1"/>
+            </a:fontRef>
+          </p:style>
+        </p:cxnSp>
+        <p:cxnSp>
+          <p:nvCxnSpPr>
+            <p:cNvPr id="13" name="直接箭头连接符 12"/>
+            <p:cNvCxnSpPr/>
+            <p:nvPr/>
+          </p:nvCxnSpPr>
+          <p:spPr>
+            <a:xfrm flipV="1">
+              <a:off x="4267200" y="3962400"/>
+              <a:ext cx="838200" cy="1066800"/>
+            </a:xfrm>
+            <a:prstGeom prst="straightConnector1">
+              <a:avLst/>
+            </a:prstGeom>
+            <a:ln>
+              <a:tailEnd type="arrow"/>
+            </a:ln>
+          </p:spPr>
+          <p:style>
+            <a:lnRef idx="3">
+              <a:schemeClr val="accent1"/>
+            </a:lnRef>
+            <a:fillRef idx="0">
+              <a:schemeClr val="accent1"/>
+            </a:fillRef>
+            <a:effectRef idx="2">
+              <a:schemeClr val="accent1"/>
+            </a:effectRef>
+            <a:fontRef idx="minor">
+              <a:schemeClr val="tx1"/>
+            </a:fontRef>
+          </p:style>
+        </p:cxnSp>
+        <p:sp>
+          <p:nvSpPr>
+            <p:cNvPr id="14" name="TextBox 13"/>
+            <p:cNvSpPr txBox="1"/>
+            <p:nvPr/>
+          </p:nvSpPr>
+          <p:spPr>
+            <a:xfrm>
+              <a:off x="1828800" y="465138"/>
+              <a:ext cx="993990" cy="369332"/>
+            </a:xfrm>
+            <a:prstGeom prst="rect">
+              <a:avLst/>
+            </a:prstGeom>
+            <a:noFill/>
+          </p:spPr>
+          <p:txBody>
+            <a:bodyPr wrap="none" rtlCol="0">
+              <a:spAutoFit/>
+            </a:bodyPr>
+            <a:lstStyle/>
+            <a:p>
+              <a:r>
+                <a:rPr lang="en-US" altLang="zh-CN" dirty="0" smtClean="0"/>
+                <a:t>Source 1</a:t>
+              </a:r>
+              <a:endParaRPr lang="zh-CN" altLang="en-US" dirty="0"/>
+            </a:p>
+          </p:txBody>
+        </p:sp>
+        <p:sp>
+          <p:nvSpPr>
+            <p:cNvPr id="19" name="TextBox 18"/>
+            <p:cNvSpPr txBox="1"/>
+            <p:nvPr/>
+          </p:nvSpPr>
+          <p:spPr>
+            <a:xfrm>
+              <a:off x="6019800" y="1077262"/>
+              <a:ext cx="764697" cy="369332"/>
+            </a:xfrm>
+            <a:prstGeom prst="rect">
+              <a:avLst/>
+            </a:prstGeom>
+            <a:noFill/>
+          </p:spPr>
+          <p:txBody>
+            <a:bodyPr wrap="none" rtlCol="0">
+              <a:spAutoFit/>
+            </a:bodyPr>
+            <a:lstStyle/>
+            <a:p>
+              <a:r>
+                <a:rPr lang="en-US" altLang="zh-CN" dirty="0" smtClean="0"/>
+                <a:t>Target</a:t>
+              </a:r>
+              <a:endParaRPr lang="zh-CN" altLang="en-US" dirty="0"/>
+            </a:p>
+          </p:txBody>
+        </p:sp>
+        <p:sp>
+          <p:nvSpPr>
+            <p:cNvPr id="20" name="TextBox 19"/>
+            <p:cNvSpPr txBox="1"/>
+            <p:nvPr/>
+          </p:nvSpPr>
+          <p:spPr>
+            <a:xfrm>
+              <a:off x="1828800" y="2362200"/>
+              <a:ext cx="993990" cy="369332"/>
+            </a:xfrm>
+            <a:prstGeom prst="rect">
+              <a:avLst/>
+            </a:prstGeom>
+            <a:noFill/>
+          </p:spPr>
+          <p:txBody>
+            <a:bodyPr wrap="none" rtlCol="0">
+              <a:spAutoFit/>
+            </a:bodyPr>
+            <a:lstStyle/>
+            <a:p>
+              <a:r>
+                <a:rPr lang="en-US" altLang="zh-CN" dirty="0" smtClean="0"/>
+                <a:t>Source 2</a:t>
+              </a:r>
+              <a:endParaRPr lang="zh-CN" altLang="en-US" dirty="0"/>
+            </a:p>
+          </p:txBody>
+        </p:sp>
+        <p:sp>
+          <p:nvSpPr>
+            <p:cNvPr id="21" name="TextBox 20"/>
+            <p:cNvSpPr txBox="1"/>
+            <p:nvPr/>
+          </p:nvSpPr>
+          <p:spPr>
+            <a:xfrm>
+              <a:off x="1828800" y="3974068"/>
+              <a:ext cx="993990" cy="369332"/>
+            </a:xfrm>
+            <a:prstGeom prst="rect">
+              <a:avLst/>
+            </a:prstGeom>
+            <a:noFill/>
+          </p:spPr>
+          <p:txBody>
+            <a:bodyPr wrap="none" rtlCol="0">
+              <a:spAutoFit/>
+            </a:bodyPr>
+            <a:lstStyle/>
+            <a:p>
+              <a:r>
+                <a:rPr lang="en-US" altLang="zh-CN" dirty="0" smtClean="0"/>
+                <a:t>Source 3</a:t>
+              </a:r>
+              <a:endParaRPr lang="zh-CN" altLang="en-US" dirty="0"/>
+            </a:p>
+          </p:txBody>
+        </p:sp>
+      </p:grpSp>
+    </p:spTree>
+    <p:extLst>
+      <p:ext uri="{BB962C8B-B14F-4D97-AF65-F5344CB8AC3E}">
+        <p14:creationId xmlns:p14="http://schemas.microsoft.com/office/powerpoint/2010/main" val="4286406933"/>
+      </p:ext>
+    </p:extLst>
+  </p:cSld>
+  <p:clrMapOvr>
+    <a:masterClrMapping/>
+  </p:clrMapOvr>
+</p:sld>
+</file>
+
+<file path=ppt/slides/slide3.xml><?xml version="1.0" encoding="utf-8"?>
+<p:sld xmlns:a="http://schemas.openxmlformats.org/drawingml/2006/main" xmlns:r="http://schemas.openxmlformats.org/officeDocument/2006/relationships" xmlns:p="http://schemas.openxmlformats.org/presentationml/2006/main">
+  <p:cSld>
+    <p:spTree>
+      <p:nvGrpSpPr>
+        <p:cNvPr id="1" name=""/>
+        <p:cNvGrpSpPr/>
+        <p:nvPr/>
+      </p:nvGrpSpPr>
+      <p:grpSpPr>
+        <a:xfrm>
+          <a:off x="0" y="0"/>
+          <a:ext cx="0" cy="0"/>
+          <a:chOff x="0" y="0"/>
+          <a:chExt cx="0" cy="0"/>
+        </a:xfrm>
+      </p:grpSpPr>
+      <p:grpSp>
+        <p:nvGrpSpPr>
+          <p:cNvPr id="7" name="组合 6"/>
+          <p:cNvGrpSpPr/>
+          <p:nvPr/>
+        </p:nvGrpSpPr>
+        <p:grpSpPr>
+          <a:xfrm>
+            <a:off x="813879" y="256143"/>
+            <a:ext cx="5933330" cy="4407308"/>
+            <a:chOff x="813879" y="256143"/>
+            <a:chExt cx="5933330" cy="4407308"/>
+          </a:xfrm>
+        </p:grpSpPr>
+        <p:pic>
+          <p:nvPicPr>
+            <p:cNvPr id="2050" name="Picture 2"/>
+            <p:cNvPicPr>
+              <a:picLocks noChangeAspect="1" noChangeArrowheads="1"/>
+            </p:cNvPicPr>
+            <p:nvPr/>
+          </p:nvPicPr>
+          <p:blipFill>
+            <a:blip r:embed="rId2">
+              <a:extLst>
+                <a:ext uri="{28A0092B-C50C-407E-A947-70E740481C1C}">
+                  <a14:useLocalDpi xmlns:a14="http://schemas.microsoft.com/office/drawing/2010/main" val="0"/>
+                </a:ext>
+              </a:extLst>
+            </a:blip>
+            <a:srcRect/>
+            <a:stretch>
+              <a:fillRect/>
+            </a:stretch>
+          </p:blipFill>
+          <p:spPr bwMode="auto">
+            <a:xfrm>
+              <a:off x="1219200" y="685800"/>
+              <a:ext cx="1447800" cy="1695450"/>
+            </a:xfrm>
+            <a:prstGeom prst="rect">
+              <a:avLst/>
+            </a:prstGeom>
+            <a:noFill/>
+            <a:ln>
+              <a:noFill/>
+            </a:ln>
+            <a:effectLst/>
+            <a:extLst>
+              <a:ext uri="{909E8E84-426E-40DD-AFC4-6F175D3DCCD1}">
+                <a14:hiddenFill xmlns:a14="http://schemas.microsoft.com/office/drawing/2010/main">
+                  <a:solidFill>
+                    <a:schemeClr val="accent1"/>
+                  </a:solidFill>
+                </a14:hiddenFill>
+              </a:ext>
+              <a:ext uri="{91240B29-F687-4F45-9708-019B960494DF}">
+                <a14:hiddenLine xmlns:a14="http://schemas.microsoft.com/office/drawing/2010/main" w="9525">
+                  <a:solidFill>
+                    <a:schemeClr val="tx1"/>
+                  </a:solidFill>
+                  <a:miter lim="800000"/>
+                  <a:headEnd/>
+                  <a:tailEnd/>
+                </a14:hiddenLine>
+              </a:ext>
+              <a:ext uri="{AF507438-7753-43E0-B8FC-AC1667EBCBE1}">
+                <a14:hiddenEffects xmlns:a14="http://schemas.microsoft.com/office/drawing/2010/main">
+                  <a:effectLst>
+                    <a:outerShdw dist="35921" dir="2700000" algn="ctr" rotWithShape="0">
+                      <a:schemeClr val="bg2"/>
+                    </a:outerShdw>
+                  </a:effectLst>
+                </a14:hiddenEffects>
+              </a:ext>
+            </a:extLst>
+          </p:spPr>
+        </p:pic>
+        <p:pic>
+          <p:nvPicPr>
+            <p:cNvPr id="2051" name="Picture 3"/>
+            <p:cNvPicPr>
+              <a:picLocks noChangeAspect="1" noChangeArrowheads="1"/>
+            </p:cNvPicPr>
+            <p:nvPr/>
+          </p:nvPicPr>
+          <p:blipFill>
+            <a:blip r:embed="rId3">
+              <a:extLst>
+                <a:ext uri="{28A0092B-C50C-407E-A947-70E740481C1C}">
+                  <a14:useLocalDpi xmlns:a14="http://schemas.microsoft.com/office/drawing/2010/main" val="0"/>
+                </a:ext>
+              </a:extLst>
+            </a:blip>
+            <a:srcRect/>
+            <a:stretch>
+              <a:fillRect/>
+            </a:stretch>
+          </p:blipFill>
+          <p:spPr bwMode="auto">
+            <a:xfrm>
+              <a:off x="4648200" y="811149"/>
+              <a:ext cx="1981200" cy="1533525"/>
+            </a:xfrm>
+            <a:prstGeom prst="rect">
+              <a:avLst/>
+            </a:prstGeom>
+            <a:noFill/>
+            <a:ln>
+              <a:noFill/>
+            </a:ln>
+            <a:effectLst/>
+            <a:extLst>
+              <a:ext uri="{909E8E84-426E-40DD-AFC4-6F175D3DCCD1}">
+                <a14:hiddenFill xmlns:a14="http://schemas.microsoft.com/office/drawing/2010/main">
+                  <a:solidFill>
+                    <a:schemeClr val="accent1"/>
+                  </a:solidFill>
+                </a14:hiddenFill>
+              </a:ext>
+              <a:ext uri="{91240B29-F687-4F45-9708-019B960494DF}">
+                <a14:hiddenLine xmlns:a14="http://schemas.microsoft.com/office/drawing/2010/main" w="9525">
+                  <a:solidFill>
+                    <a:schemeClr val="tx1"/>
+                  </a:solidFill>
+                  <a:miter lim="800000"/>
+                  <a:headEnd/>
+                  <a:tailEnd/>
+                </a14:hiddenLine>
+              </a:ext>
+              <a:ext uri="{AF507438-7753-43E0-B8FC-AC1667EBCBE1}">
+                <a14:hiddenEffects xmlns:a14="http://schemas.microsoft.com/office/drawing/2010/main">
+                  <a:effectLst>
+                    <a:outerShdw dist="35921" dir="2700000" algn="ctr" rotWithShape="0">
+                      <a:schemeClr val="bg2"/>
+                    </a:outerShdw>
+                  </a:effectLst>
+                </a14:hiddenEffects>
+              </a:ext>
+            </a:extLst>
+          </p:spPr>
+        </p:pic>
+        <p:pic>
+          <p:nvPicPr>
+            <p:cNvPr id="2054" name="Picture 6"/>
+            <p:cNvPicPr>
+              <a:picLocks noChangeAspect="1" noChangeArrowheads="1"/>
+            </p:cNvPicPr>
+            <p:nvPr/>
+          </p:nvPicPr>
+          <p:blipFill>
+            <a:blip r:embed="rId4">
+              <a:extLst>
+                <a:ext uri="{28A0092B-C50C-407E-A947-70E740481C1C}">
+                  <a14:useLocalDpi xmlns:a14="http://schemas.microsoft.com/office/drawing/2010/main" val="0"/>
+                </a:ext>
+              </a:extLst>
+            </a:blip>
+            <a:srcRect/>
+            <a:stretch>
+              <a:fillRect/>
+            </a:stretch>
+          </p:blipFill>
+          <p:spPr bwMode="auto">
+            <a:xfrm>
+              <a:off x="813879" y="2971800"/>
+              <a:ext cx="2258441" cy="1691651"/>
+            </a:xfrm>
+            <a:prstGeom prst="rect">
+              <a:avLst/>
+            </a:prstGeom>
+            <a:noFill/>
+            <a:ln>
+              <a:noFill/>
+            </a:ln>
+            <a:effectLst/>
+            <a:extLst>
+              <a:ext uri="{909E8E84-426E-40DD-AFC4-6F175D3DCCD1}">
+                <a14:hiddenFill xmlns:a14="http://schemas.microsoft.com/office/drawing/2010/main">
+                  <a:solidFill>
+                    <a:schemeClr val="accent1"/>
+                  </a:solidFill>
+                </a14:hiddenFill>
+              </a:ext>
+              <a:ext uri="{91240B29-F687-4F45-9708-019B960494DF}">
+                <a14:hiddenLine xmlns:a14="http://schemas.microsoft.com/office/drawing/2010/main" w="9525">
+                  <a:solidFill>
+                    <a:schemeClr val="tx1"/>
+                  </a:solidFill>
+                  <a:miter lim="800000"/>
+                  <a:headEnd/>
+                  <a:tailEnd/>
+                </a14:hiddenLine>
+              </a:ext>
+              <a:ext uri="{AF507438-7753-43E0-B8FC-AC1667EBCBE1}">
+                <a14:hiddenEffects xmlns:a14="http://schemas.microsoft.com/office/drawing/2010/main">
+                  <a:effectLst>
+                    <a:outerShdw dist="35921" dir="2700000" algn="ctr" rotWithShape="0">
+                      <a:schemeClr val="bg2"/>
+                    </a:outerShdw>
+                  </a:effectLst>
+                </a14:hiddenEffects>
+              </a:ext>
+            </a:extLst>
+          </p:spPr>
+        </p:pic>
+        <p:pic>
+          <p:nvPicPr>
+            <p:cNvPr id="2055" name="Picture 7"/>
+            <p:cNvPicPr>
+              <a:picLocks noChangeAspect="1" noChangeArrowheads="1"/>
+            </p:cNvPicPr>
+            <p:nvPr/>
+          </p:nvPicPr>
+          <p:blipFill>
+            <a:blip r:embed="rId5">
+              <a:extLst>
+                <a:ext uri="{28A0092B-C50C-407E-A947-70E740481C1C}">
+                  <a14:useLocalDpi xmlns:a14="http://schemas.microsoft.com/office/drawing/2010/main" val="0"/>
+                </a:ext>
+              </a:extLst>
+            </a:blip>
+            <a:srcRect/>
+            <a:stretch>
+              <a:fillRect/>
+            </a:stretch>
+          </p:blipFill>
+          <p:spPr bwMode="auto">
+            <a:xfrm>
+              <a:off x="4648200" y="2971800"/>
+              <a:ext cx="2099009" cy="1504950"/>
+            </a:xfrm>
+            <a:prstGeom prst="rect">
+              <a:avLst/>
+            </a:prstGeom>
+            <a:noFill/>
+            <a:ln>
+              <a:noFill/>
+            </a:ln>
+            <a:effectLst/>
+            <a:extLst>
+              <a:ext uri="{909E8E84-426E-40DD-AFC4-6F175D3DCCD1}">
+                <a14:hiddenFill xmlns:a14="http://schemas.microsoft.com/office/drawing/2010/main">
+                  <a:solidFill>
+                    <a:schemeClr val="accent1"/>
+                  </a:solidFill>
+                </a14:hiddenFill>
+              </a:ext>
+              <a:ext uri="{91240B29-F687-4F45-9708-019B960494DF}">
+                <a14:hiddenLine xmlns:a14="http://schemas.microsoft.com/office/drawing/2010/main" w="9525">
+                  <a:solidFill>
+                    <a:schemeClr val="tx1"/>
+                  </a:solidFill>
+                  <a:miter lim="800000"/>
+                  <a:headEnd/>
+                  <a:tailEnd/>
+                </a14:hiddenLine>
+              </a:ext>
+              <a:ext uri="{AF507438-7753-43E0-B8FC-AC1667EBCBE1}">
+                <a14:hiddenEffects xmlns:a14="http://schemas.microsoft.com/office/drawing/2010/main">
+                  <a:effectLst>
+                    <a:outerShdw dist="35921" dir="2700000" algn="ctr" rotWithShape="0">
+                      <a:schemeClr val="bg2"/>
+                    </a:outerShdw>
+                  </a:effectLst>
+                </a14:hiddenEffects>
+              </a:ext>
+            </a:extLst>
+          </p:spPr>
+        </p:pic>
+        <p:sp>
+          <p:nvSpPr>
+            <p:cNvPr id="22" name="TextBox 21"/>
+            <p:cNvSpPr txBox="1"/>
+            <p:nvPr/>
+          </p:nvSpPr>
+          <p:spPr>
+            <a:xfrm>
+              <a:off x="1446105" y="256143"/>
+              <a:ext cx="824072" cy="369332"/>
+            </a:xfrm>
+            <a:prstGeom prst="rect">
+              <a:avLst/>
+            </a:prstGeom>
+            <a:noFill/>
+          </p:spPr>
+          <p:txBody>
+            <a:bodyPr wrap="none" rtlCol="0">
+              <a:spAutoFit/>
+            </a:bodyPr>
+            <a:lstStyle/>
+            <a:p>
+              <a:r>
+                <a:rPr lang="en-US" altLang="zh-CN" dirty="0" smtClean="0"/>
+                <a:t>Source</a:t>
+              </a:r>
+              <a:endParaRPr lang="zh-CN" altLang="en-US" dirty="0"/>
+            </a:p>
+          </p:txBody>
+        </p:sp>
+        <p:sp>
+          <p:nvSpPr>
+            <p:cNvPr id="23" name="TextBox 22"/>
+            <p:cNvSpPr txBox="1"/>
+            <p:nvPr/>
+          </p:nvSpPr>
+          <p:spPr>
+            <a:xfrm>
+              <a:off x="5226764" y="256143"/>
+              <a:ext cx="764697" cy="369332"/>
+            </a:xfrm>
+            <a:prstGeom prst="rect">
+              <a:avLst/>
+            </a:prstGeom>
+            <a:noFill/>
+          </p:spPr>
+          <p:txBody>
+            <a:bodyPr wrap="none" rtlCol="0">
+              <a:spAutoFit/>
+            </a:bodyPr>
+            <a:lstStyle/>
+            <a:p>
+              <a:r>
+                <a:rPr lang="en-US" altLang="zh-CN" dirty="0" smtClean="0"/>
+                <a:t>Target</a:t>
+              </a:r>
+              <a:endParaRPr lang="zh-CN" altLang="en-US" dirty="0"/>
+            </a:p>
+          </p:txBody>
+        </p:sp>
+        <p:cxnSp>
+          <p:nvCxnSpPr>
+            <p:cNvPr id="24" name="直接箭头连接符 23"/>
+            <p:cNvCxnSpPr/>
+            <p:nvPr/>
+          </p:nvCxnSpPr>
+          <p:spPr>
+            <a:xfrm>
+              <a:off x="3072320" y="1518285"/>
+              <a:ext cx="1271080" cy="0"/>
+            </a:xfrm>
+            <a:prstGeom prst="straightConnector1">
+              <a:avLst/>
+            </a:prstGeom>
+            <a:ln>
+              <a:tailEnd type="arrow"/>
+            </a:ln>
+          </p:spPr>
+          <p:style>
+            <a:lnRef idx="3">
+              <a:schemeClr val="accent1"/>
+            </a:lnRef>
+            <a:fillRef idx="0">
+              <a:schemeClr val="accent1"/>
+            </a:fillRef>
+            <a:effectRef idx="2">
+              <a:schemeClr val="accent1"/>
+            </a:effectRef>
+            <a:fontRef idx="minor">
+              <a:schemeClr val="tx1"/>
+            </a:fontRef>
+          </p:style>
+        </p:cxnSp>
+        <p:cxnSp>
+          <p:nvCxnSpPr>
+            <p:cNvPr id="26" name="直接箭头连接符 25"/>
+            <p:cNvCxnSpPr/>
+            <p:nvPr/>
+          </p:nvCxnSpPr>
+          <p:spPr>
+            <a:xfrm>
+              <a:off x="3072320" y="3715512"/>
+              <a:ext cx="1271080" cy="0"/>
+            </a:xfrm>
+            <a:prstGeom prst="straightConnector1">
+              <a:avLst/>
+            </a:prstGeom>
+            <a:ln>
+              <a:tailEnd type="arrow"/>
+            </a:ln>
+          </p:spPr>
+          <p:style>
+            <a:lnRef idx="3">
+              <a:schemeClr val="accent1"/>
+            </a:lnRef>
+            <a:fillRef idx="0">
+              <a:schemeClr val="accent1"/>
+            </a:fillRef>
+            <a:effectRef idx="2">
+              <a:schemeClr val="accent1"/>
+            </a:effectRef>
+            <a:fontRef idx="minor">
+              <a:schemeClr val="tx1"/>
+            </a:fontRef>
+          </p:style>
+        </p:cxnSp>
+      </p:grpSp>
+    </p:spTree>
+    <p:extLst>
+      <p:ext uri="{BB962C8B-B14F-4D97-AF65-F5344CB8AC3E}">
+        <p14:creationId xmlns:p14="http://schemas.microsoft.com/office/powerpoint/2010/main" val="2552146567"/>
+      </p:ext>
+    </p:extLst>
+  </p:cSld>
+  <p:clrMapOvr>
+    <a:masterClrMapping/>
+  </p:clrMapOvr>
+</p:sld>
 </file>
 
 <file path=ppt/theme/theme1.xml><?xml version="1.0" encoding="utf-8"?>
